--- a/Textbooks/Michael Ramsey-Musolf.pptx
+++ b/Textbooks/Michael Ramsey-Musolf.pptx
@@ -518,31 +518,11 @@
             </a:r>
             <a:br/>
             <a:r>
-              <a:t>College Physics, Knight, 2nd edition, Chapter 28</a:t>
+              <a:t>Knight, College Physics: A Strategic Approach, 2nd Edition, Chapter 28</a:t>
             </a:r>
             <a:br/>
             <a:r>
-              <a:t>  </a:t>
-            </a:r>
-            <a:br/>
-            <a:r>
-              <a:t># Textbook  </a:t>
-            </a:r>
-            <a:br/>
-            <a:r>
-              <a:t>  </a:t>
-            </a:r>
-            <a:br/>
-            <a:r>
-              <a:t>  </a:t>
-            </a:r>
-            <a:br/>
-            <a:r>
-              <a:t># Textbook  </a:t>
-            </a:r>
-            <a:br/>
-            <a:r>
-              <a:t>  </a:t>
+              <a:t>Knight, Physics for Scientists and Engineers: A Strategic Approach with Modern Physics, 3rd Edition, Chapter 42</a:t>
             </a:r>
             <a:br/>
             <a:r>
